--- a/Amazon web Services.pptx
+++ b/Amazon web Services.pptx
@@ -10,10 +10,11 @@
     <p:sldId id="258" r:id="rId4"/>
     <p:sldId id="259" r:id="rId5"/>
     <p:sldId id="260" r:id="rId6"/>
-    <p:sldId id="261" r:id="rId7"/>
-    <p:sldId id="262" r:id="rId8"/>
-    <p:sldId id="263" r:id="rId9"/>
-    <p:sldId id="264" r:id="rId10"/>
+    <p:sldId id="265" r:id="rId7"/>
+    <p:sldId id="261" r:id="rId8"/>
+    <p:sldId id="262" r:id="rId9"/>
+    <p:sldId id="263" r:id="rId10"/>
+    <p:sldId id="264" r:id="rId11"/>
   </p:sldIdLst>
   <p:sldSz cx="12192000" cy="6858000"/>
   <p:notesSz cx="6858000" cy="9144000"/>
@@ -112,6 +113,11 @@
       </a:defRPr>
     </a:lvl9pPr>
   </p:defaultTextStyle>
+  <p:extLst>
+    <p:ext uri="{EFAFB233-063F-42B5-8137-9DF3F51BA10A}">
+      <p15:sldGuideLst xmlns:p15="http://schemas.microsoft.com/office/powerpoint/2012/main"/>
+    </p:ext>
+  </p:extLst>
 </p:presentation>
 </file>
 
@@ -7824,6 +7830,73 @@
 </p:sld>
 </file>
 
+<file path=ppt/slides/slide10.xml><?xml version="1.0" encoding="utf-8"?>
+<p:sld xmlns:a="http://schemas.openxmlformats.org/drawingml/2006/main" xmlns:r="http://schemas.openxmlformats.org/officeDocument/2006/relationships" xmlns:p="http://schemas.openxmlformats.org/presentationml/2006/main">
+  <p:cSld>
+    <p:spTree>
+      <p:nvGrpSpPr>
+        <p:cNvPr id="1" name=""/>
+        <p:cNvGrpSpPr/>
+        <p:nvPr/>
+      </p:nvGrpSpPr>
+      <p:grpSpPr>
+        <a:xfrm>
+          <a:off x="0" y="0"/>
+          <a:ext cx="0" cy="0"/>
+          <a:chOff x="0" y="0"/>
+          <a:chExt cx="0" cy="0"/>
+        </a:xfrm>
+      </p:grpSpPr>
+      <p:sp>
+        <p:nvSpPr>
+          <p:cNvPr id="2" name="Title 1"/>
+          <p:cNvSpPr>
+            <a:spLocks noGrp="1"/>
+          </p:cNvSpPr>
+          <p:nvPr>
+            <p:ph type="title"/>
+          </p:nvPr>
+        </p:nvSpPr>
+        <p:spPr>
+          <a:xfrm>
+            <a:off x="2386862" y="2800640"/>
+            <a:ext cx="8911687" cy="1280890"/>
+          </a:xfrm>
+        </p:spPr>
+        <p:txBody>
+          <a:bodyPr>
+            <a:noAutofit/>
+          </a:bodyPr>
+          <a:lstStyle/>
+          <a:p>
+            <a:r>
+              <a:rPr lang="en-US" sz="6600" dirty="0" smtClean="0">
+                <a:latin typeface="Arial Rounded MT Bold" panose="020F0704030504030204" pitchFamily="34" charset="0"/>
+              </a:rPr>
+              <a:t>         Thank </a:t>
+            </a:r>
+            <a:r>
+              <a:rPr lang="en-US" sz="6600" dirty="0">
+                <a:latin typeface="Arial Rounded MT Bold" panose="020F0704030504030204" pitchFamily="34" charset="0"/>
+              </a:rPr>
+              <a:t>You…..</a:t>
+            </a:r>
+          </a:p>
+        </p:txBody>
+      </p:sp>
+    </p:spTree>
+    <p:extLst>
+      <p:ext uri="{BB962C8B-B14F-4D97-AF65-F5344CB8AC3E}">
+        <p14:creationId xmlns:p14="http://schemas.microsoft.com/office/powerpoint/2010/main" val="2215412360"/>
+      </p:ext>
+    </p:extLst>
+  </p:cSld>
+  <p:clrMapOvr>
+    <a:masterClrMapping/>
+  </p:clrMapOvr>
+</p:sld>
+</file>
+
 <file path=ppt/slides/slide2.xml><?xml version="1.0" encoding="utf-8"?>
 <p:sld xmlns:a="http://schemas.openxmlformats.org/drawingml/2006/main" xmlns:r="http://schemas.openxmlformats.org/officeDocument/2006/relationships" xmlns:p="http://schemas.openxmlformats.org/presentationml/2006/main">
   <p:cSld>
@@ -7912,21 +7985,25 @@
               <a:rPr lang="en-US" b="1" dirty="0">
                 <a:latin typeface="Arial Rounded MT Bold" panose="020F0704030504030204" pitchFamily="34" charset="0"/>
               </a:rPr>
-              <a:t>Using Amazon EC2 eliminates your need to invest in hardware up front, so you can develop and deploy applications faster</a:t>
+              <a:t>Using Amazon EC2 eliminates your need to invest in hardware up front, so </a:t>
             </a:r>
             <a:r>
               <a:rPr lang="en-US" b="1" dirty="0" smtClean="0">
                 <a:latin typeface="Arial Rounded MT Bold" panose="020F0704030504030204" pitchFamily="34" charset="0"/>
               </a:rPr>
-              <a:t>.</a:t>
-            </a:r>
-          </a:p>
-          <a:p>
+              <a:t>we </a:t>
+            </a:r>
+            <a:r>
+              <a:rPr lang="en-US" b="1" dirty="0" smtClean="0">
+                <a:latin typeface="Arial Rounded MT Bold" panose="020F0704030504030204" pitchFamily="34" charset="0"/>
+              </a:rPr>
+              <a:t> </a:t>
+            </a:r>
             <a:r>
               <a:rPr lang="en-US" b="1" dirty="0">
                 <a:latin typeface="Arial Rounded MT Bold" panose="020F0704030504030204" pitchFamily="34" charset="0"/>
               </a:rPr>
-              <a:t>You can use Amazon EC2 to launch as many or as few virtual servers as you need, configure security and networking, and manage storage</a:t>
+              <a:t>can develop and deploy applications faster</a:t>
             </a:r>
             <a:r>
               <a:rPr lang="en-US" b="1" dirty="0" smtClean="0">
@@ -7937,10 +8014,16 @@
           </a:p>
           <a:p>
             <a:r>
+              <a:rPr lang="en-US" b="1" dirty="0" smtClean="0">
+                <a:latin typeface="Arial Rounded MT Bold" panose="020F0704030504030204" pitchFamily="34" charset="0"/>
+              </a:rPr>
+              <a:t>Amazon </a:t>
+            </a:r>
+            <a:r>
               <a:rPr lang="en-US" b="1" dirty="0">
                 <a:latin typeface="Arial Rounded MT Bold" panose="020F0704030504030204" pitchFamily="34" charset="0"/>
               </a:rPr>
-              <a:t>Amazon EC2 enables you to scale up or down to handle changes in requirements </a:t>
+              <a:t>EC2 enables you to scale up or down to handle changes in requirements </a:t>
             </a:r>
             <a:r>
               <a:rPr lang="en-US" b="1" dirty="0" smtClean="0">
@@ -7998,9 +8081,6 @@
               </a:rPr>
               <a:t> containers and allows you to easily run applications on a managed cluster of Amazon EC2 instances.</a:t>
             </a:r>
-            <a:endParaRPr lang="en-US" b="1" dirty="0">
-              <a:latin typeface="Arial Rounded MT Bold" panose="020F0704030504030204" pitchFamily="34" charset="0"/>
-            </a:endParaRPr>
           </a:p>
         </p:txBody>
       </p:sp>
@@ -8096,33 +8176,7 @@
           </a:p>
           <a:p>
             <a:r>
-              <a:rPr lang="en-US" b="1" dirty="0">
-                <a:latin typeface="Arial Rounded MT Bold" panose="020F0704030504030204" pitchFamily="34" charset="0"/>
-              </a:rPr>
-              <a:t>Preconfigured templates for your instances, known as Amazon Machine Images (</a:t>
-            </a:r>
-            <a:r>
-              <a:rPr lang="en-US" b="1" dirty="0" smtClean="0">
-                <a:latin typeface="Arial Rounded MT Bold" panose="020F0704030504030204" pitchFamily="34" charset="0"/>
-              </a:rPr>
-              <a:t>AMIs</a:t>
-            </a:r>
-            <a:r>
-              <a:rPr lang="en-US" b="1" dirty="0">
-                <a:latin typeface="Arial Rounded MT Bold" panose="020F0704030504030204" pitchFamily="34" charset="0"/>
-              </a:rPr>
-              <a:t>), that package the bits you need for your </a:t>
-            </a:r>
-            <a:r>
-              <a:rPr lang="en-US" b="1" dirty="0" smtClean="0">
-                <a:latin typeface="Arial Rounded MT Bold" panose="020F0704030504030204" pitchFamily="34" charset="0"/>
-              </a:rPr>
-              <a:t>server.</a:t>
-            </a:r>
-          </a:p>
-          <a:p>
-            <a:r>
-              <a:rPr lang="en-US" b="1" dirty="0">
+              <a:rPr lang="en-US" b="1" smtClean="0">
                 <a:latin typeface="Arial Rounded MT Bold" panose="020F0704030504030204" pitchFamily="34" charset="0"/>
               </a:rPr>
               <a:t>Secure </a:t>
@@ -8482,7 +8536,12 @@
             <p:ph type="title"/>
           </p:nvPr>
         </p:nvSpPr>
-        <p:spPr/>
+        <p:spPr>
+          <a:xfrm>
+            <a:off x="2592925" y="624110"/>
+            <a:ext cx="8911687" cy="813852"/>
+          </a:xfrm>
+        </p:spPr>
         <p:txBody>
           <a:bodyPr/>
           <a:lstStyle/>
@@ -8491,188 +8550,92 @@
               <a:rPr lang="en-US" b="1" u="sng" dirty="0" smtClean="0">
                 <a:latin typeface="Arial Rounded MT Bold" panose="020F0704030504030204" pitchFamily="34" charset="0"/>
               </a:rPr>
-              <a:t>Amazon </a:t>
-            </a:r>
-            <a:r>
-              <a:rPr lang="en-US" b="1" u="sng" dirty="0">
-                <a:latin typeface="Arial Rounded MT Bold" panose="020F0704030504030204" pitchFamily="34" charset="0"/>
-              </a:rPr>
-              <a:t>Route </a:t>
-            </a:r>
-            <a:r>
-              <a:rPr lang="en-US" b="1" u="sng" dirty="0" smtClean="0">
-                <a:latin typeface="Arial Rounded MT Bold" panose="020F0704030504030204" pitchFamily="34" charset="0"/>
-              </a:rPr>
-              <a:t>53</a:t>
-            </a:r>
-            <a:r>
-              <a:rPr lang="en-US" b="1" dirty="0"/>
-              <a:t/>
-            </a:r>
-            <a:br>
-              <a:rPr lang="en-US" b="1" dirty="0"/>
-            </a:br>
-            <a:endParaRPr lang="en-US" dirty="0"/>
-          </a:p>
-        </p:txBody>
-      </p:sp>
-      <p:sp>
-        <p:nvSpPr>
-          <p:cNvPr id="3" name="Content Placeholder 2"/>
-          <p:cNvSpPr>
-            <a:spLocks noGrp="1"/>
-          </p:cNvSpPr>
-          <p:nvPr>
-            <p:ph idx="1"/>
-          </p:nvPr>
-        </p:nvSpPr>
-        <p:spPr/>
-        <p:txBody>
-          <a:bodyPr>
-            <a:normAutofit/>
-          </a:bodyPr>
-          <a:lstStyle/>
-          <a:p>
-            <a:r>
-              <a:rPr lang="en-US" b="1" dirty="0" smtClean="0">
-                <a:latin typeface="Arial Rounded MT Bold" panose="020F0704030504030204" pitchFamily="34" charset="0"/>
-              </a:rPr>
-              <a:t>Amazon </a:t>
-            </a:r>
-            <a:r>
-              <a:rPr lang="en-US" b="1" dirty="0">
-                <a:latin typeface="Arial Rounded MT Bold" panose="020F0704030504030204" pitchFamily="34" charset="0"/>
-              </a:rPr>
-              <a:t>Route 53 to help you get a website or web application up and running</a:t>
-            </a:r>
-            <a:r>
-              <a:rPr lang="en-US" b="1" dirty="0" smtClean="0">
-                <a:latin typeface="Arial Rounded MT Bold" panose="020F0704030504030204" pitchFamily="34" charset="0"/>
-              </a:rPr>
-              <a:t>.</a:t>
-            </a:r>
-          </a:p>
-          <a:p>
-            <a:r>
-              <a:rPr lang="en-US" b="1" dirty="0">
-                <a:latin typeface="Arial Rounded MT Bold" panose="020F0704030504030204" pitchFamily="34" charset="0"/>
-              </a:rPr>
-              <a:t>Amazon Route 53 effectively connects user requests to infrastructure running in AWS</a:t>
-            </a:r>
-            <a:endParaRPr lang="en-US" b="1" dirty="0" smtClean="0">
+              <a:t>Scaling in AWS..</a:t>
+            </a:r>
+            <a:endParaRPr lang="en-US" b="1" u="sng" dirty="0">
               <a:latin typeface="Arial Rounded MT Bold" panose="020F0704030504030204" pitchFamily="34" charset="0"/>
             </a:endParaRPr>
           </a:p>
-          <a:p>
-            <a:r>
-              <a:rPr lang="en-US" b="1" dirty="0" smtClean="0">
+        </p:txBody>
+      </p:sp>
+      <p:sp>
+        <p:nvSpPr>
+          <p:cNvPr id="3" name="Content Placeholder 2"/>
+          <p:cNvSpPr>
+            <a:spLocks noGrp="1"/>
+          </p:cNvSpPr>
+          <p:nvPr>
+            <p:ph idx="1"/>
+          </p:nvPr>
+        </p:nvSpPr>
+        <p:spPr/>
+        <p:txBody>
+          <a:bodyPr/>
+          <a:lstStyle/>
+          <a:p>
+            <a:r>
+              <a:rPr lang="en-US" dirty="0">
                 <a:latin typeface="Arial Rounded MT Bold" panose="020F0704030504030204" pitchFamily="34" charset="0"/>
               </a:rPr>
-              <a:t> </a:t>
-            </a:r>
-            <a:r>
-              <a:rPr lang="en-US" b="1" dirty="0">
+              <a:t>Horizontal scaling means that you scale by adding more machines into your pool of resources </a:t>
+            </a:r>
+            <a:endParaRPr lang="en-US" dirty="0" smtClean="0">
+              <a:latin typeface="Arial Rounded MT Bold" panose="020F0704030504030204" pitchFamily="34" charset="0"/>
+            </a:endParaRPr>
+          </a:p>
+          <a:p>
+            <a:r>
+              <a:rPr lang="en-US" dirty="0" smtClean="0">
                 <a:latin typeface="Arial Rounded MT Bold" panose="020F0704030504030204" pitchFamily="34" charset="0"/>
               </a:rPr>
-              <a:t>Amazon Route 53 performs three main functions:</a:t>
-            </a:r>
-          </a:p>
-          <a:p>
-            <a:pPr marL="0" indent="0">
-              <a:buNone/>
-            </a:pPr>
-            <a:r>
-              <a:rPr lang="en-US" b="1" dirty="0">
+              <a:t>Vertical </a:t>
+            </a:r>
+            <a:r>
+              <a:rPr lang="en-US" dirty="0">
                 <a:latin typeface="Arial Rounded MT Bold" panose="020F0704030504030204" pitchFamily="34" charset="0"/>
               </a:rPr>
-              <a:t> </a:t>
-            </a:r>
-            <a:r>
-              <a:rPr lang="en-US" b="1" dirty="0" smtClean="0">
-                <a:latin typeface="Arial Rounded MT Bold" panose="020F0704030504030204" pitchFamily="34" charset="0"/>
-              </a:rPr>
-              <a:t>    - </a:t>
-            </a:r>
-            <a:r>
-              <a:rPr lang="en-US" sz="1600" b="1" dirty="0" smtClean="0">
-                <a:latin typeface="Arial Rounded MT Bold" panose="020F0704030504030204" pitchFamily="34" charset="0"/>
-              </a:rPr>
-              <a:t>Register </a:t>
-            </a:r>
-            <a:r>
-              <a:rPr lang="en-US" sz="1600" b="1" dirty="0">
-                <a:latin typeface="Arial Rounded MT Bold" panose="020F0704030504030204" pitchFamily="34" charset="0"/>
-              </a:rPr>
-              <a:t>domain </a:t>
-            </a:r>
-            <a:r>
-              <a:rPr lang="en-US" sz="1600" b="1" dirty="0" smtClean="0">
-                <a:latin typeface="Arial Rounded MT Bold" panose="020F0704030504030204" pitchFamily="34" charset="0"/>
-              </a:rPr>
-              <a:t>names.</a:t>
-            </a:r>
-          </a:p>
-          <a:p>
-            <a:pPr marL="0" indent="0">
-              <a:buNone/>
-            </a:pPr>
-            <a:r>
-              <a:rPr lang="en-US" sz="1600" b="1" dirty="0" smtClean="0">
-                <a:latin typeface="Arial Rounded MT Bold" panose="020F0704030504030204" pitchFamily="34" charset="0"/>
-              </a:rPr>
-              <a:t>      - Route </a:t>
-            </a:r>
-            <a:r>
-              <a:rPr lang="en-US" sz="1600" b="1" dirty="0">
-                <a:latin typeface="Arial Rounded MT Bold" panose="020F0704030504030204" pitchFamily="34" charset="0"/>
-              </a:rPr>
-              <a:t>Internet traffic to the resources for your domain </a:t>
-            </a:r>
-            <a:r>
-              <a:rPr lang="en-US" sz="1600" b="1" dirty="0" smtClean="0">
-                <a:latin typeface="Arial Rounded MT Bold" panose="020F0704030504030204" pitchFamily="34" charset="0"/>
-              </a:rPr>
-              <a:t>.</a:t>
-            </a:r>
-          </a:p>
-          <a:p>
-            <a:pPr marL="0" indent="0">
-              <a:buNone/>
-            </a:pPr>
-            <a:r>
-              <a:rPr lang="en-US" sz="1600" b="1" dirty="0" smtClean="0">
-                <a:latin typeface="Arial Rounded MT Bold" panose="020F0704030504030204" pitchFamily="34" charset="0"/>
-              </a:rPr>
-              <a:t>      - Check </a:t>
-            </a:r>
-            <a:r>
-              <a:rPr lang="en-US" sz="1600" b="1" dirty="0">
-                <a:latin typeface="Arial Rounded MT Bold" panose="020F0704030504030204" pitchFamily="34" charset="0"/>
-              </a:rPr>
-              <a:t>the health of your resources </a:t>
-            </a:r>
-            <a:r>
-              <a:rPr lang="en-US" sz="1600" b="1" dirty="0" smtClean="0">
-                <a:latin typeface="Arial Rounded MT Bold" panose="020F0704030504030204" pitchFamily="34" charset="0"/>
-              </a:rPr>
-              <a:t>.</a:t>
-            </a:r>
-            <a:r>
-              <a:rPr lang="en-US" sz="1600" b="1" dirty="0">
-                <a:latin typeface="Arial Rounded MT Bold" panose="020F0704030504030204" pitchFamily="34" charset="0"/>
-              </a:rPr>
-              <a:t> </a:t>
-            </a:r>
-          </a:p>
-          <a:p>
-            <a:endParaRPr lang="en-US" dirty="0"/>
-          </a:p>
-        </p:txBody>
-      </p:sp>
+              <a:t>scaling means that you scale by adding more power (CPU, RAM) to an existing machine.</a:t>
+            </a:r>
+            <a:endParaRPr lang="en-US" dirty="0">
+              <a:latin typeface="Arial Rounded MT Bold" panose="020F0704030504030204" pitchFamily="34" charset="0"/>
+            </a:endParaRPr>
+          </a:p>
+        </p:txBody>
+      </p:sp>
+      <p:pic>
+        <p:nvPicPr>
+          <p:cNvPr id="4" name="Picture 3"/>
+          <p:cNvPicPr>
+            <a:picLocks noChangeAspect="1"/>
+          </p:cNvPicPr>
+          <p:nvPr/>
+        </p:nvPicPr>
+        <p:blipFill>
+          <a:blip r:embed="rId2">
+            <a:extLst>
+              <a:ext uri="{28A0092B-C50C-407E-A947-70E740481C1C}">
+                <a14:useLocalDpi xmlns:a14="http://schemas.microsoft.com/office/drawing/2010/main" val="0"/>
+              </a:ext>
+            </a:extLst>
+          </a:blip>
+          <a:stretch>
+            <a:fillRect/>
+          </a:stretch>
+        </p:blipFill>
+        <p:spPr>
+          <a:xfrm>
+            <a:off x="5711372" y="3494876"/>
+            <a:ext cx="4855028" cy="2680953"/>
+          </a:xfrm>
+          <a:prstGeom prst="rect">
+            <a:avLst/>
+          </a:prstGeom>
+        </p:spPr>
+      </p:pic>
     </p:spTree>
     <p:extLst>
       <p:ext uri="{BB962C8B-B14F-4D97-AF65-F5344CB8AC3E}">
-        <p14:creationId xmlns:p14="http://schemas.microsoft.com/office/powerpoint/2010/main" val="2773950818"/>
+        <p14:creationId xmlns:p14="http://schemas.microsoft.com/office/powerpoint/2010/main" val="1351023330"/>
       </p:ext>
     </p:extLst>
   </p:cSld>
@@ -8711,79 +8674,187 @@
         </p:nvSpPr>
         <p:spPr/>
         <p:txBody>
+          <a:bodyPr/>
+          <a:lstStyle/>
+          <a:p>
+            <a:r>
+              <a:rPr lang="en-US" b="1" u="sng" dirty="0" smtClean="0">
+                <a:latin typeface="Arial Rounded MT Bold" panose="020F0704030504030204" pitchFamily="34" charset="0"/>
+              </a:rPr>
+              <a:t>Amazon </a:t>
+            </a:r>
+            <a:r>
+              <a:rPr lang="en-US" b="1" u="sng" dirty="0">
+                <a:latin typeface="Arial Rounded MT Bold" panose="020F0704030504030204" pitchFamily="34" charset="0"/>
+              </a:rPr>
+              <a:t>Route </a:t>
+            </a:r>
+            <a:r>
+              <a:rPr lang="en-US" b="1" u="sng" dirty="0" smtClean="0">
+                <a:latin typeface="Arial Rounded MT Bold" panose="020F0704030504030204" pitchFamily="34" charset="0"/>
+              </a:rPr>
+              <a:t>53</a:t>
+            </a:r>
+            <a:r>
+              <a:rPr lang="en-US" b="1" dirty="0"/>
+              <a:t/>
+            </a:r>
+            <a:br>
+              <a:rPr lang="en-US" b="1" dirty="0"/>
+            </a:br>
+            <a:endParaRPr lang="en-US" dirty="0"/>
+          </a:p>
+        </p:txBody>
+      </p:sp>
+      <p:sp>
+        <p:nvSpPr>
+          <p:cNvPr id="3" name="Content Placeholder 2"/>
+          <p:cNvSpPr>
+            <a:spLocks noGrp="1"/>
+          </p:cNvSpPr>
+          <p:nvPr>
+            <p:ph idx="1"/>
+          </p:nvPr>
+        </p:nvSpPr>
+        <p:spPr/>
+        <p:txBody>
           <a:bodyPr>
-            <a:normAutofit fontScale="90000"/>
+            <a:normAutofit/>
           </a:bodyPr>
           <a:lstStyle/>
           <a:p>
             <a:r>
-              <a:rPr lang="en-US" b="1" u="sng" dirty="0">
+              <a:rPr lang="en-US" b="1" dirty="0" smtClean="0">
                 <a:latin typeface="Arial Rounded MT Bold" panose="020F0704030504030204" pitchFamily="34" charset="0"/>
               </a:rPr>
-              <a:t>Introduction to AWS Identity and Access Management (IAM)</a:t>
-            </a:r>
-            <a:r>
-              <a:rPr lang="en-US" dirty="0"/>
-              <a:t/>
-            </a:r>
-            <a:br>
-              <a:rPr lang="en-US" dirty="0"/>
-            </a:br>
-            <a:r>
-              <a:rPr lang="en-US" dirty="0"/>
-              <a:t/>
-            </a:r>
-            <a:br>
-              <a:rPr lang="en-US" dirty="0"/>
-            </a:br>
-            <a:endParaRPr lang="en-US" dirty="0"/>
-          </a:p>
-        </p:txBody>
-      </p:sp>
-      <p:sp>
-        <p:nvSpPr>
-          <p:cNvPr id="3" name="Content Placeholder 2"/>
-          <p:cNvSpPr>
-            <a:spLocks noGrp="1"/>
-          </p:cNvSpPr>
-          <p:nvPr>
-            <p:ph idx="1"/>
-          </p:nvPr>
-        </p:nvSpPr>
-        <p:spPr/>
-        <p:txBody>
-          <a:bodyPr/>
-          <a:lstStyle/>
-          <a:p>
-            <a:r>
-              <a:rPr lang="en-US" dirty="0" smtClean="0"/>
-              <a:t>AWS </a:t>
-            </a:r>
-            <a:r>
-              <a:rPr lang="en-US" dirty="0"/>
-              <a:t>Identity and Access Management (IAM) enables you to securely control access to AWS services and resources for your users</a:t>
-            </a:r>
-            <a:r>
-              <a:rPr lang="en-US" dirty="0" smtClean="0"/>
+              <a:t>Amazon </a:t>
+            </a:r>
+            <a:r>
+              <a:rPr lang="en-US" b="1" dirty="0">
+                <a:latin typeface="Arial Rounded MT Bold" panose="020F0704030504030204" pitchFamily="34" charset="0"/>
+              </a:rPr>
+              <a:t>Route 53 to help you get a website or web application up and running</a:t>
+            </a:r>
+            <a:r>
+              <a:rPr lang="en-US" b="1" dirty="0" smtClean="0">
+                <a:latin typeface="Arial Rounded MT Bold" panose="020F0704030504030204" pitchFamily="34" charset="0"/>
+              </a:rPr>
               <a:t>.</a:t>
             </a:r>
           </a:p>
           <a:p>
             <a:r>
-              <a:rPr lang="en-US" dirty="0"/>
-              <a:t>Using IAM, you can create and manage AWS users and groups, and use permissions to allow and deny their access to AWS resources. </a:t>
-            </a:r>
-          </a:p>
-          <a:p>
-            <a:r>
-              <a:rPr lang="en-US" dirty="0"/>
-              <a:t>IAM is a feature of your AWS account offered at no additional charge. You will be charged only for use of other AWS services by your users.</a:t>
+              <a:rPr lang="en-US" b="1" dirty="0">
+                <a:latin typeface="Arial Rounded MT Bold" panose="020F0704030504030204" pitchFamily="34" charset="0"/>
+              </a:rPr>
+              <a:t>Amazon Route 53 effectively connects user requests to infrastructure running in AWS</a:t>
+            </a:r>
+            <a:endParaRPr lang="en-US" b="1" dirty="0" smtClean="0">
+              <a:latin typeface="Arial Rounded MT Bold" panose="020F0704030504030204" pitchFamily="34" charset="0"/>
+            </a:endParaRPr>
+          </a:p>
+          <a:p>
+            <a:r>
+              <a:rPr lang="en-US" b="1" dirty="0" smtClean="0">
+                <a:latin typeface="Arial Rounded MT Bold" panose="020F0704030504030204" pitchFamily="34" charset="0"/>
+              </a:rPr>
+              <a:t> </a:t>
+            </a:r>
+            <a:r>
+              <a:rPr lang="en-US" b="1" dirty="0">
+                <a:latin typeface="Arial Rounded MT Bold" panose="020F0704030504030204" pitchFamily="34" charset="0"/>
+              </a:rPr>
+              <a:t>Amazon Route 53 performs three main functions:</a:t>
             </a:r>
           </a:p>
           <a:p>
             <a:pPr marL="0" indent="0">
               <a:buNone/>
             </a:pPr>
+            <a:r>
+              <a:rPr lang="en-US" b="1" dirty="0">
+                <a:latin typeface="Arial Rounded MT Bold" panose="020F0704030504030204" pitchFamily="34" charset="0"/>
+              </a:rPr>
+              <a:t> </a:t>
+            </a:r>
+            <a:r>
+              <a:rPr lang="en-US" b="1" dirty="0" smtClean="0">
+                <a:latin typeface="Arial Rounded MT Bold" panose="020F0704030504030204" pitchFamily="34" charset="0"/>
+              </a:rPr>
+              <a:t>    - </a:t>
+            </a:r>
+            <a:r>
+              <a:rPr lang="en-US" sz="1600" b="1" dirty="0" smtClean="0">
+                <a:latin typeface="Arial Rounded MT Bold" panose="020F0704030504030204" pitchFamily="34" charset="0"/>
+              </a:rPr>
+              <a:t>Register </a:t>
+            </a:r>
+            <a:r>
+              <a:rPr lang="en-US" sz="1600" b="1" dirty="0">
+                <a:latin typeface="Arial Rounded MT Bold" panose="020F0704030504030204" pitchFamily="34" charset="0"/>
+              </a:rPr>
+              <a:t>domain </a:t>
+            </a:r>
+            <a:r>
+              <a:rPr lang="en-US" sz="1600" b="1" dirty="0" smtClean="0">
+                <a:latin typeface="Arial Rounded MT Bold" panose="020F0704030504030204" pitchFamily="34" charset="0"/>
+              </a:rPr>
+              <a:t>names.</a:t>
+            </a:r>
+          </a:p>
+          <a:p>
+            <a:pPr marL="0" indent="0">
+              <a:buNone/>
+            </a:pPr>
+            <a:r>
+              <a:rPr lang="en-US" sz="1600" b="1" dirty="0" smtClean="0">
+                <a:latin typeface="Arial Rounded MT Bold" panose="020F0704030504030204" pitchFamily="34" charset="0"/>
+              </a:rPr>
+              <a:t>      - Route </a:t>
+            </a:r>
+            <a:r>
+              <a:rPr lang="en-US" sz="1600" b="1" dirty="0">
+                <a:latin typeface="Arial Rounded MT Bold" panose="020F0704030504030204" pitchFamily="34" charset="0"/>
+              </a:rPr>
+              <a:t>Internet traffic to the resources for your domain </a:t>
+            </a:r>
+            <a:r>
+              <a:rPr lang="en-US" sz="1600" b="1" dirty="0" smtClean="0">
+                <a:latin typeface="Arial Rounded MT Bold" panose="020F0704030504030204" pitchFamily="34" charset="0"/>
+              </a:rPr>
+              <a:t>.</a:t>
+            </a:r>
+          </a:p>
+          <a:p>
+            <a:pPr marL="0" indent="0">
+              <a:buNone/>
+            </a:pPr>
+            <a:r>
+              <a:rPr lang="en-US" sz="1600" b="1" dirty="0" smtClean="0">
+                <a:latin typeface="Arial Rounded MT Bold" panose="020F0704030504030204" pitchFamily="34" charset="0"/>
+              </a:rPr>
+              <a:t>      - Check </a:t>
+            </a:r>
+            <a:r>
+              <a:rPr lang="en-US" sz="1600" b="1" dirty="0">
+                <a:latin typeface="Arial Rounded MT Bold" panose="020F0704030504030204" pitchFamily="34" charset="0"/>
+              </a:rPr>
+              <a:t>the health of your resources </a:t>
+            </a:r>
+            <a:r>
+              <a:rPr lang="en-US" sz="1600" b="1" dirty="0" smtClean="0">
+                <a:latin typeface="Arial Rounded MT Bold" panose="020F0704030504030204" pitchFamily="34" charset="0"/>
+              </a:rPr>
+              <a:t>.</a:t>
+            </a:r>
+            <a:r>
+              <a:rPr lang="en-US" sz="1600" b="1" dirty="0">
+                <a:latin typeface="Arial Rounded MT Bold" panose="020F0704030504030204" pitchFamily="34" charset="0"/>
+              </a:rPr>
+              <a:t> </a:t>
+            </a:r>
+          </a:p>
+          <a:p>
             <a:endParaRPr lang="en-US" dirty="0"/>
           </a:p>
         </p:txBody>
@@ -8791,7 +8862,7 @@
     </p:spTree>
     <p:extLst>
       <p:ext uri="{BB962C8B-B14F-4D97-AF65-F5344CB8AC3E}">
-        <p14:creationId xmlns:p14="http://schemas.microsoft.com/office/powerpoint/2010/main" val="74337139"/>
+        <p14:creationId xmlns:p14="http://schemas.microsoft.com/office/powerpoint/2010/main" val="2773950818"/>
       </p:ext>
     </p:extLst>
   </p:cSld>
@@ -8830,15 +8901,24 @@
         </p:nvSpPr>
         <p:spPr/>
         <p:txBody>
-          <a:bodyPr/>
+          <a:bodyPr>
+            <a:normAutofit fontScale="90000"/>
+          </a:bodyPr>
           <a:lstStyle/>
           <a:p>
             <a:r>
               <a:rPr lang="en-US" b="1" u="sng" dirty="0">
                 <a:latin typeface="Arial Rounded MT Bold" panose="020F0704030504030204" pitchFamily="34" charset="0"/>
               </a:rPr>
-              <a:t>Deployment &amp; Management</a:t>
-            </a:r>
+              <a:t>Introduction to AWS Identity and Access Management (IAM)</a:t>
+            </a:r>
+            <a:r>
+              <a:rPr lang="en-US" dirty="0"/>
+              <a:t/>
+            </a:r>
+            <a:br>
+              <a:rPr lang="en-US" dirty="0"/>
+            </a:br>
             <a:r>
               <a:rPr lang="en-US" dirty="0"/>
               <a:t/>
@@ -8866,92 +8946,42 @@
           <a:lstStyle/>
           <a:p>
             <a:r>
-              <a:rPr lang="en-US" b="1" dirty="0">
-                <a:latin typeface="Arial Rounded MT Bold" panose="020F0704030504030204" pitchFamily="34" charset="0"/>
-              </a:rPr>
+              <a:rPr lang="en-US" dirty="0" smtClean="0"/>
               <a:t>AWS </a:t>
             </a:r>
             <a:r>
-              <a:rPr lang="en-US" b="1" dirty="0" smtClean="0">
-                <a:latin typeface="Arial Rounded MT Bold" panose="020F0704030504030204" pitchFamily="34" charset="0"/>
-              </a:rPr>
-              <a:t>Code Deploy </a:t>
-            </a:r>
-            <a:r>
-              <a:rPr lang="en-US" b="1" dirty="0">
-                <a:latin typeface="Arial Rounded MT Bold" panose="020F0704030504030204" pitchFamily="34" charset="0"/>
-              </a:rPr>
-              <a:t>is a deployment service that automates application deployments to Amazon EC2 instances or on-premises instances in your own facility</a:t>
-            </a:r>
-            <a:r>
-              <a:rPr lang="en-US" b="1" dirty="0" smtClean="0">
-                <a:latin typeface="Arial Rounded MT Bold" panose="020F0704030504030204" pitchFamily="34" charset="0"/>
-              </a:rPr>
+              <a:rPr lang="en-US" dirty="0"/>
+              <a:t>Identity and Access Management (IAM) enables you to securely control access to AWS services and resources for your users</a:t>
+            </a:r>
+            <a:r>
+              <a:rPr lang="en-US" dirty="0" smtClean="0"/>
               <a:t>.</a:t>
             </a:r>
           </a:p>
           <a:p>
             <a:r>
-              <a:rPr lang="en-US" b="1" dirty="0">
-                <a:latin typeface="Arial Rounded MT Bold" panose="020F0704030504030204" pitchFamily="34" charset="0"/>
-              </a:rPr>
-              <a:t>AWS </a:t>
-            </a:r>
-            <a:r>
-              <a:rPr lang="en-US" b="1" dirty="0" smtClean="0">
-                <a:latin typeface="Arial Rounded MT Bold" panose="020F0704030504030204" pitchFamily="34" charset="0"/>
-              </a:rPr>
-              <a:t>Code Deploy </a:t>
-            </a:r>
-            <a:r>
-              <a:rPr lang="en-US" b="1" dirty="0">
-                <a:latin typeface="Arial Rounded MT Bold" panose="020F0704030504030204" pitchFamily="34" charset="0"/>
-              </a:rPr>
-              <a:t>works with various systems for configuration management, source </a:t>
-            </a:r>
-            <a:r>
-              <a:rPr lang="en-US" b="1" dirty="0" smtClean="0">
-                <a:latin typeface="Arial Rounded MT Bold" panose="020F0704030504030204" pitchFamily="34" charset="0"/>
-              </a:rPr>
-              <a:t>control,</a:t>
-            </a:r>
-            <a:r>
-              <a:rPr lang="en-US" dirty="0" smtClean="0">
-                <a:latin typeface="Arial Rounded MT Bold" panose="020F0704030504030204" pitchFamily="34" charset="0"/>
-              </a:rPr>
-              <a:t> </a:t>
-            </a:r>
-            <a:r>
-              <a:rPr lang="en-US" b="1" dirty="0" smtClean="0">
-                <a:solidFill>
-                  <a:schemeClr val="tx1"/>
-                </a:solidFill>
-                <a:latin typeface="Arial Rounded MT Bold" panose="020F0704030504030204" pitchFamily="34" charset="0"/>
-              </a:rPr>
-              <a:t>continuous integration, continuous delivery</a:t>
-            </a:r>
-            <a:r>
-              <a:rPr lang="en-US" b="1" dirty="0" smtClean="0">
-                <a:latin typeface="Arial Rounded MT Bold" panose="020F0704030504030204" pitchFamily="34" charset="0"/>
-              </a:rPr>
-              <a:t>, and </a:t>
-            </a:r>
-            <a:r>
-              <a:rPr lang="en-US" b="1" dirty="0">
-                <a:latin typeface="Arial Rounded MT Bold" panose="020F0704030504030204" pitchFamily="34" charset="0"/>
-              </a:rPr>
-              <a:t>continuous deployment. </a:t>
-            </a:r>
-            <a:endParaRPr lang="en-US" b="1" dirty="0">
-              <a:latin typeface="Arial Rounded MT Bold" panose="020F0704030504030204" pitchFamily="34" charset="0"/>
-            </a:endParaRPr>
+              <a:rPr lang="en-US" dirty="0"/>
+              <a:t>Using IAM, you can create and manage AWS users and groups, and use permissions to allow and deny their access to AWS resources. </a:t>
+            </a:r>
+          </a:p>
+          <a:p>
+            <a:r>
+              <a:rPr lang="en-US" dirty="0"/>
+              <a:t>IAM is a feature of your AWS account offered at no additional charge. You will be charged only for use of other AWS services by your users.</a:t>
+            </a:r>
+          </a:p>
+          <a:p>
+            <a:pPr marL="0" indent="0">
+              <a:buNone/>
+            </a:pPr>
+            <a:endParaRPr lang="en-US" dirty="0"/>
           </a:p>
         </p:txBody>
       </p:sp>
     </p:spTree>
     <p:extLst>
       <p:ext uri="{BB962C8B-B14F-4D97-AF65-F5344CB8AC3E}">
-        <p14:creationId xmlns:p14="http://schemas.microsoft.com/office/powerpoint/2010/main" val="1480889392"/>
+        <p14:creationId xmlns:p14="http://schemas.microsoft.com/office/powerpoint/2010/main" val="74337139"/>
       </p:ext>
     </p:extLst>
   </p:cSld>
@@ -8988,29 +9018,119 @@
             <p:ph type="title"/>
           </p:nvPr>
         </p:nvSpPr>
-        <p:spPr>
-          <a:xfrm>
-            <a:off x="2386862" y="2800640"/>
-            <a:ext cx="8911687" cy="1280890"/>
-          </a:xfrm>
-        </p:spPr>
-        <p:txBody>
-          <a:bodyPr>
-            <a:noAutofit/>
-          </a:bodyPr>
+        <p:spPr/>
+        <p:txBody>
+          <a:bodyPr/>
           <a:lstStyle/>
           <a:p>
             <a:r>
-              <a:rPr lang="en-US" sz="6600" dirty="0" smtClean="0">
+              <a:rPr lang="en-US" b="1" u="sng" dirty="0">
                 <a:latin typeface="Arial Rounded MT Bold" panose="020F0704030504030204" pitchFamily="34" charset="0"/>
               </a:rPr>
-              <a:t>         Thank </a:t>
-            </a:r>
-            <a:r>
-              <a:rPr lang="en-US" sz="6600" dirty="0">
+              <a:t>Deployment &amp; Management</a:t>
+            </a:r>
+            <a:r>
+              <a:rPr lang="en-US" dirty="0"/>
+              <a:t/>
+            </a:r>
+            <a:br>
+              <a:rPr lang="en-US" dirty="0"/>
+            </a:br>
+            <a:endParaRPr lang="en-US" dirty="0"/>
+          </a:p>
+        </p:txBody>
+      </p:sp>
+      <p:sp>
+        <p:nvSpPr>
+          <p:cNvPr id="3" name="Content Placeholder 2"/>
+          <p:cNvSpPr>
+            <a:spLocks noGrp="1"/>
+          </p:cNvSpPr>
+          <p:nvPr>
+            <p:ph idx="1"/>
+          </p:nvPr>
+        </p:nvSpPr>
+        <p:spPr/>
+        <p:txBody>
+          <a:bodyPr/>
+          <a:lstStyle/>
+          <a:p>
+            <a:r>
+              <a:rPr lang="en-US" b="1" dirty="0">
                 <a:latin typeface="Arial Rounded MT Bold" panose="020F0704030504030204" pitchFamily="34" charset="0"/>
               </a:rPr>
-              <a:t>You…..</a:t>
+              <a:t>AWS </a:t>
+            </a:r>
+            <a:r>
+              <a:rPr lang="en-US" b="1" dirty="0" smtClean="0">
+                <a:latin typeface="Arial Rounded MT Bold" panose="020F0704030504030204" pitchFamily="34" charset="0"/>
+              </a:rPr>
+              <a:t>Code Deploy </a:t>
+            </a:r>
+            <a:r>
+              <a:rPr lang="en-US" b="1" dirty="0">
+                <a:latin typeface="Arial Rounded MT Bold" panose="020F0704030504030204" pitchFamily="34" charset="0"/>
+              </a:rPr>
+              <a:t>is a deployment service that automates application deployments to Amazon EC2 instances or on-premises instances in your own facility</a:t>
+            </a:r>
+            <a:r>
+              <a:rPr lang="en-US" b="1" dirty="0" smtClean="0">
+                <a:latin typeface="Arial Rounded MT Bold" panose="020F0704030504030204" pitchFamily="34" charset="0"/>
+              </a:rPr>
+              <a:t>.</a:t>
+            </a:r>
+          </a:p>
+          <a:p>
+            <a:r>
+              <a:rPr lang="en-US" b="1" dirty="0">
+                <a:latin typeface="Arial Rounded MT Bold" panose="020F0704030504030204" pitchFamily="34" charset="0"/>
+              </a:rPr>
+              <a:t>AWS </a:t>
+            </a:r>
+            <a:r>
+              <a:rPr lang="en-US" b="1" dirty="0" smtClean="0">
+                <a:latin typeface="Arial Rounded MT Bold" panose="020F0704030504030204" pitchFamily="34" charset="0"/>
+              </a:rPr>
+              <a:t>Code Deploy </a:t>
+            </a:r>
+            <a:r>
+              <a:rPr lang="en-US" b="1" dirty="0">
+                <a:latin typeface="Arial Rounded MT Bold" panose="020F0704030504030204" pitchFamily="34" charset="0"/>
+              </a:rPr>
+              <a:t>works with various systems for configuration management, source </a:t>
+            </a:r>
+            <a:r>
+              <a:rPr lang="en-US" b="1" dirty="0" smtClean="0">
+                <a:latin typeface="Arial Rounded MT Bold" panose="020F0704030504030204" pitchFamily="34" charset="0"/>
+              </a:rPr>
+              <a:t>control,</a:t>
+            </a:r>
+            <a:r>
+              <a:rPr lang="en-US" dirty="0" smtClean="0">
+                <a:latin typeface="Arial Rounded MT Bold" panose="020F0704030504030204" pitchFamily="34" charset="0"/>
+              </a:rPr>
+              <a:t> </a:t>
+            </a:r>
+            <a:r>
+              <a:rPr lang="en-US" b="1" dirty="0" smtClean="0">
+                <a:solidFill>
+                  <a:schemeClr val="tx1"/>
+                </a:solidFill>
+                <a:latin typeface="Arial Rounded MT Bold" panose="020F0704030504030204" pitchFamily="34" charset="0"/>
+              </a:rPr>
+              <a:t>continuous integration, continuous delivery</a:t>
+            </a:r>
+            <a:r>
+              <a:rPr lang="en-US" b="1" dirty="0" smtClean="0">
+                <a:latin typeface="Arial Rounded MT Bold" panose="020F0704030504030204" pitchFamily="34" charset="0"/>
+              </a:rPr>
+              <a:t>, and </a:t>
+            </a:r>
+            <a:r>
+              <a:rPr lang="en-US" b="1" dirty="0">
+                <a:latin typeface="Arial Rounded MT Bold" panose="020F0704030504030204" pitchFamily="34" charset="0"/>
+              </a:rPr>
+              <a:t>continuous deployment. </a:t>
             </a:r>
           </a:p>
         </p:txBody>
@@ -9018,7 +9138,7 @@
     </p:spTree>
     <p:extLst>
       <p:ext uri="{BB962C8B-B14F-4D97-AF65-F5344CB8AC3E}">
-        <p14:creationId xmlns:p14="http://schemas.microsoft.com/office/powerpoint/2010/main" val="2215412360"/>
+        <p14:creationId xmlns:p14="http://schemas.microsoft.com/office/powerpoint/2010/main" val="1480889392"/>
       </p:ext>
     </p:extLst>
   </p:cSld>
